--- a/example/test.pptx
+++ b/example/test.pptx
@@ -107,6 +107,11 @@
       </a:defRPr>
     </a:lvl9pPr>
   </p:defaultTextStyle>
+  <p:extLst>
+    <p:ext uri="{EFAFB233-063F-42B5-8137-9DF3F51BA10A}">
+      <p15:sldGuideLst xmlns:p15="http://schemas.microsoft.com/office/powerpoint/2012/main"/>
+    </p:ext>
+  </p:extLst>
 </p:presentation>
 </file>
 
@@ -257,7 +262,7 @@
           <a:p>
             <a:fld id="{AA9A7E2F-6096-49B9-AE91-FF2F038CA0E9}" type="datetimeFigureOut">
               <a:rPr lang="zh-CN" altLang="en-US" smtClean="0"/>
-              <a:t>2023/8/3</a:t>
+              <a:t>2023/9/4</a:t>
             </a:fld>
             <a:endParaRPr lang="zh-CN" altLang="en-US"/>
           </a:p>
@@ -455,7 +460,7 @@
           <a:p>
             <a:fld id="{AA9A7E2F-6096-49B9-AE91-FF2F038CA0E9}" type="datetimeFigureOut">
               <a:rPr lang="zh-CN" altLang="en-US" smtClean="0"/>
-              <a:t>2023/8/3</a:t>
+              <a:t>2023/9/4</a:t>
             </a:fld>
             <a:endParaRPr lang="zh-CN" altLang="en-US"/>
           </a:p>
@@ -663,7 +668,7 @@
           <a:p>
             <a:fld id="{AA9A7E2F-6096-49B9-AE91-FF2F038CA0E9}" type="datetimeFigureOut">
               <a:rPr lang="zh-CN" altLang="en-US" smtClean="0"/>
-              <a:t>2023/8/3</a:t>
+              <a:t>2023/9/4</a:t>
             </a:fld>
             <a:endParaRPr lang="zh-CN" altLang="en-US"/>
           </a:p>
@@ -861,7 +866,7 @@
           <a:p>
             <a:fld id="{AA9A7E2F-6096-49B9-AE91-FF2F038CA0E9}" type="datetimeFigureOut">
               <a:rPr lang="zh-CN" altLang="en-US" smtClean="0"/>
-              <a:t>2023/8/3</a:t>
+              <a:t>2023/9/4</a:t>
             </a:fld>
             <a:endParaRPr lang="zh-CN" altLang="en-US"/>
           </a:p>
@@ -1136,7 +1141,7 @@
           <a:p>
             <a:fld id="{AA9A7E2F-6096-49B9-AE91-FF2F038CA0E9}" type="datetimeFigureOut">
               <a:rPr lang="zh-CN" altLang="en-US" smtClean="0"/>
-              <a:t>2023/8/3</a:t>
+              <a:t>2023/9/4</a:t>
             </a:fld>
             <a:endParaRPr lang="zh-CN" altLang="en-US"/>
           </a:p>
@@ -1401,7 +1406,7 @@
           <a:p>
             <a:fld id="{AA9A7E2F-6096-49B9-AE91-FF2F038CA0E9}" type="datetimeFigureOut">
               <a:rPr lang="zh-CN" altLang="en-US" smtClean="0"/>
-              <a:t>2023/8/3</a:t>
+              <a:t>2023/9/4</a:t>
             </a:fld>
             <a:endParaRPr lang="zh-CN" altLang="en-US"/>
           </a:p>
@@ -1813,7 +1818,7 @@
           <a:p>
             <a:fld id="{AA9A7E2F-6096-49B9-AE91-FF2F038CA0E9}" type="datetimeFigureOut">
               <a:rPr lang="zh-CN" altLang="en-US" smtClean="0"/>
-              <a:t>2023/8/3</a:t>
+              <a:t>2023/9/4</a:t>
             </a:fld>
             <a:endParaRPr lang="zh-CN" altLang="en-US"/>
           </a:p>
@@ -1954,7 +1959,7 @@
           <a:p>
             <a:fld id="{AA9A7E2F-6096-49B9-AE91-FF2F038CA0E9}" type="datetimeFigureOut">
               <a:rPr lang="zh-CN" altLang="en-US" smtClean="0"/>
-              <a:t>2023/8/3</a:t>
+              <a:t>2023/9/4</a:t>
             </a:fld>
             <a:endParaRPr lang="zh-CN" altLang="en-US"/>
           </a:p>
@@ -2067,7 +2072,7 @@
           <a:p>
             <a:fld id="{AA9A7E2F-6096-49B9-AE91-FF2F038CA0E9}" type="datetimeFigureOut">
               <a:rPr lang="zh-CN" altLang="en-US" smtClean="0"/>
-              <a:t>2023/8/3</a:t>
+              <a:t>2023/9/4</a:t>
             </a:fld>
             <a:endParaRPr lang="zh-CN" altLang="en-US"/>
           </a:p>
@@ -2378,7 +2383,7 @@
           <a:p>
             <a:fld id="{AA9A7E2F-6096-49B9-AE91-FF2F038CA0E9}" type="datetimeFigureOut">
               <a:rPr lang="zh-CN" altLang="en-US" smtClean="0"/>
-              <a:t>2023/8/3</a:t>
+              <a:t>2023/9/4</a:t>
             </a:fld>
             <a:endParaRPr lang="zh-CN" altLang="en-US"/>
           </a:p>
@@ -2666,7 +2671,7 @@
           <a:p>
             <a:fld id="{AA9A7E2F-6096-49B9-AE91-FF2F038CA0E9}" type="datetimeFigureOut">
               <a:rPr lang="zh-CN" altLang="en-US" smtClean="0"/>
-              <a:t>2023/8/3</a:t>
+              <a:t>2023/9/4</a:t>
             </a:fld>
             <a:endParaRPr lang="zh-CN" altLang="en-US"/>
           </a:p>
@@ -2907,7 +2912,7 @@
           <a:p>
             <a:fld id="{AA9A7E2F-6096-49B9-AE91-FF2F038CA0E9}" type="datetimeFigureOut">
               <a:rPr lang="zh-CN" altLang="en-US" smtClean="0"/>
-              <a:t>2023/8/3</a:t>
+              <a:t>2023/9/4</a:t>
             </a:fld>
             <a:endParaRPr lang="zh-CN" altLang="en-US"/>
           </a:p>
@@ -3346,12 +3351,8 @@
           <a:lstStyle/>
           <a:p>
             <a:r>
-              <a:rPr lang="zh-CN" altLang="en-US" dirty="0"/>
-              <a:t>测试</a:t>
-            </a:r>
-            <a:r>
               <a:rPr lang="en-US" altLang="zh-CN" dirty="0"/>
-              <a:t>PPT</a:t>
+              <a:t>Test PPT</a:t>
             </a:r>
             <a:endParaRPr lang="zh-CN" altLang="en-US" dirty="0"/>
           </a:p>
@@ -3379,9 +3380,30 @@
           <a:lstStyle/>
           <a:p>
             <a:r>
-              <a:rPr lang="zh-CN" altLang="en-US" dirty="0"/>
-              <a:t>测试测试测试</a:t>
-            </a:r>
+              <a:rPr lang="en-US" altLang="zh-CN" dirty="0"/>
+              <a:t>Test </a:t>
+            </a:r>
+            <a:r>
+              <a:rPr lang="en-US" altLang="zh-CN" dirty="0" err="1"/>
+              <a:t>test</a:t>
+            </a:r>
+            <a:r>
+              <a:rPr lang="en-US" altLang="zh-CN" dirty="0"/>
+              <a:t> </a:t>
+            </a:r>
+            <a:r>
+              <a:rPr lang="en-US" altLang="zh-CN" dirty="0" err="1"/>
+              <a:t>test</a:t>
+            </a:r>
+            <a:r>
+              <a:rPr lang="en-US" altLang="zh-CN" dirty="0"/>
+              <a:t> </a:t>
+            </a:r>
+            <a:r>
+              <a:rPr lang="en-US" altLang="zh-CN" dirty="0" err="1"/>
+              <a:t>test</a:t>
+            </a:r>
+            <a:endParaRPr lang="zh-CN" altLang="en-US" dirty="0"/>
           </a:p>
         </p:txBody>
       </p:sp>
@@ -3442,9 +3464,10 @@
           <a:lstStyle/>
           <a:p>
             <a:r>
-              <a:rPr lang="zh-CN" altLang="en-US" sz="3200" dirty="0"/>
-              <a:t>电子表格</a:t>
-            </a:r>
+              <a:rPr lang="en-US" altLang="zh-CN" sz="3200" dirty="0"/>
+              <a:t>Spreadsheet</a:t>
+            </a:r>
+            <a:endParaRPr lang="zh-CN" altLang="en-US" sz="3200" dirty="0"/>
           </a:p>
         </p:txBody>
       </p:sp>
@@ -3554,8 +3577,8 @@
         </p:nvSpPr>
         <p:spPr>
           <a:xfrm>
-            <a:off x="5136177" y="1168752"/>
-            <a:ext cx="1783080" cy="369332"/>
+            <a:off x="5136176" y="1168752"/>
+            <a:ext cx="2853787" cy="369332"/>
           </a:xfrm>
           <a:prstGeom prst="rect">
             <a:avLst/>
@@ -3569,9 +3592,10 @@
           <a:lstStyle/>
           <a:p>
             <a:r>
-              <a:rPr lang="zh-CN" altLang="en-US" sz="1800" dirty="0"/>
-              <a:t>相对地址：</a:t>
-            </a:r>
+              <a:rPr lang="en-US" altLang="zh-CN" sz="1800" dirty="0"/>
+              <a:t>Relative address:</a:t>
+            </a:r>
+            <a:endParaRPr lang="zh-CN" altLang="en-US" sz="1800" dirty="0"/>
           </a:p>
         </p:txBody>
       </p:sp>
@@ -3590,7 +3614,7 @@
         <p:spPr>
           <a:xfrm>
             <a:off x="5136177" y="3368146"/>
-            <a:ext cx="1783080" cy="369332"/>
+            <a:ext cx="2513252" cy="369332"/>
           </a:xfrm>
           <a:prstGeom prst="rect">
             <a:avLst/>
@@ -3604,9 +3628,14 @@
           <a:lstStyle/>
           <a:p>
             <a:r>
-              <a:rPr lang="zh-CN" altLang="en-US" sz="1800" dirty="0"/>
-              <a:t>绝对地址：</a:t>
-            </a:r>
+              <a:rPr lang="en-US" altLang="zh-CN" dirty="0"/>
+              <a:t>A</a:t>
+            </a:r>
+            <a:r>
+              <a:rPr lang="en-US" altLang="zh-CN" sz="1800" dirty="0"/>
+              <a:t>bsolute address:</a:t>
+            </a:r>
+            <a:endParaRPr lang="zh-CN" altLang="en-US" sz="1800" dirty="0"/>
           </a:p>
         </p:txBody>
       </p:sp>
@@ -3662,9 +3691,10 @@
           <a:lstStyle/>
           <a:p>
             <a:r>
-              <a:rPr lang="zh-CN" altLang="en-US" dirty="0"/>
-              <a:t>演示文稿</a:t>
-            </a:r>
+              <a:rPr lang="en-US" altLang="zh-CN" dirty="0"/>
+              <a:t>Presentation</a:t>
+            </a:r>
+            <a:endParaRPr lang="zh-CN" altLang="en-US" dirty="0"/>
           </a:p>
         </p:txBody>
       </p:sp>
@@ -3974,8 +4004,12 @@
               <a:buNone/>
             </a:pPr>
             <a:r>
+              <a:rPr lang="en-US" altLang="zh-CN" sz="4800" dirty="0"/>
+              <a:t>Thank you</a:t>
+            </a:r>
+            <a:r>
               <a:rPr lang="zh-CN" altLang="en-US" sz="4800" dirty="0"/>
-              <a:t>敬请指教！</a:t>
+              <a:t>！</a:t>
             </a:r>
             <a:endParaRPr lang="en-US" altLang="zh-CN" sz="4800" dirty="0"/>
           </a:p>
